--- a/Data 551 Milestone 2 Visualizations.pptx
+++ b/Data 551 Milestone 2 Visualizations.pptx
@@ -4,9 +4,13 @@
   <p:sldMasterIdLst>
     <p:sldMasterId id="2147483686" r:id="rId1"/>
   </p:sldMasterIdLst>
+  <p:notesMasterIdLst>
+    <p:notesMasterId r:id="rId5"/>
+  </p:notesMasterIdLst>
   <p:sldIdLst>
     <p:sldId id="257" r:id="rId2"/>
     <p:sldId id="258" r:id="rId3"/>
+    <p:sldId id="259" r:id="rId4"/>
   </p:sldIdLst>
   <p:sldSz cx="12192000" cy="6858000"/>
   <p:notesSz cx="6858000" cy="9144000"/>
@@ -105,7 +109,450 @@
       </a:defRPr>
     </a:lvl9pPr>
   </p:defaultTextStyle>
+  <p:extLst>
+    <p:ext uri="{EFAFB233-063F-42B5-8137-9DF3F51BA10A}">
+      <p15:sldGuideLst xmlns:p15="http://schemas.microsoft.com/office/powerpoint/2012/main"/>
+    </p:ext>
+  </p:extLst>
 </p:presentation>
+</file>
+
+<file path=ppt/notesMasters/notesMaster1.xml><?xml version="1.0" encoding="utf-8"?>
+<p:notesMaster xmlns:a="http://schemas.openxmlformats.org/drawingml/2006/main" xmlns:r="http://schemas.openxmlformats.org/officeDocument/2006/relationships" xmlns:p="http://schemas.openxmlformats.org/presentationml/2006/main">
+  <p:cSld>
+    <p:bg>
+      <p:bgRef idx="1001">
+        <a:schemeClr val="bg1"/>
+      </p:bgRef>
+    </p:bg>
+    <p:spTree>
+      <p:nvGrpSpPr>
+        <p:cNvPr id="1" name=""/>
+        <p:cNvGrpSpPr/>
+        <p:nvPr/>
+      </p:nvGrpSpPr>
+      <p:grpSpPr>
+        <a:xfrm>
+          <a:off x="0" y="0"/>
+          <a:ext cx="0" cy="0"/>
+          <a:chOff x="0" y="0"/>
+          <a:chExt cx="0" cy="0"/>
+        </a:xfrm>
+      </p:grpSpPr>
+      <p:sp>
+        <p:nvSpPr>
+          <p:cNvPr id="2" name="Header Placeholder 1"/>
+          <p:cNvSpPr>
+            <a:spLocks noGrp="1"/>
+          </p:cNvSpPr>
+          <p:nvPr>
+            <p:ph type="hdr" sz="quarter"/>
+          </p:nvPr>
+        </p:nvSpPr>
+        <p:spPr>
+          <a:xfrm>
+            <a:off x="0" y="0"/>
+            <a:ext cx="2971800" cy="458788"/>
+          </a:xfrm>
+          <a:prstGeom prst="rect">
+            <a:avLst/>
+          </a:prstGeom>
+        </p:spPr>
+        <p:txBody>
+          <a:bodyPr vert="horz" lIns="91440" tIns="45720" rIns="91440" bIns="45720" rtlCol="0"/>
+          <a:lstStyle>
+            <a:lvl1pPr algn="l">
+              <a:defRPr sz="1200"/>
+            </a:lvl1pPr>
+          </a:lstStyle>
+          <a:p>
+            <a:endParaRPr lang="en-CA"/>
+          </a:p>
+        </p:txBody>
+      </p:sp>
+      <p:sp>
+        <p:nvSpPr>
+          <p:cNvPr id="3" name="Date Placeholder 2"/>
+          <p:cNvSpPr>
+            <a:spLocks noGrp="1"/>
+          </p:cNvSpPr>
+          <p:nvPr>
+            <p:ph type="dt" idx="1"/>
+          </p:nvPr>
+        </p:nvSpPr>
+        <p:spPr>
+          <a:xfrm>
+            <a:off x="3884613" y="0"/>
+            <a:ext cx="2971800" cy="458788"/>
+          </a:xfrm>
+          <a:prstGeom prst="rect">
+            <a:avLst/>
+          </a:prstGeom>
+        </p:spPr>
+        <p:txBody>
+          <a:bodyPr vert="horz" lIns="91440" tIns="45720" rIns="91440" bIns="45720" rtlCol="0"/>
+          <a:lstStyle>
+            <a:lvl1pPr algn="r">
+              <a:defRPr sz="1200"/>
+            </a:lvl1pPr>
+          </a:lstStyle>
+          <a:p>
+            <a:fld id="{3DABA9FF-1974-4FB5-B104-CF1979465714}" type="datetimeFigureOut">
+              <a:rPr lang="en-CA" smtClean="0"/>
+              <a:t>2019-02-27</a:t>
+            </a:fld>
+            <a:endParaRPr lang="en-CA"/>
+          </a:p>
+        </p:txBody>
+      </p:sp>
+      <p:sp>
+        <p:nvSpPr>
+          <p:cNvPr id="4" name="Slide Image Placeholder 3"/>
+          <p:cNvSpPr>
+            <a:spLocks noGrp="1" noRot="1" noChangeAspect="1"/>
+          </p:cNvSpPr>
+          <p:nvPr>
+            <p:ph type="sldImg" idx="2"/>
+          </p:nvPr>
+        </p:nvSpPr>
+        <p:spPr>
+          <a:xfrm>
+            <a:off x="685800" y="1143000"/>
+            <a:ext cx="5486400" cy="3086100"/>
+          </a:xfrm>
+          <a:prstGeom prst="rect">
+            <a:avLst/>
+          </a:prstGeom>
+          <a:noFill/>
+          <a:ln w="12700">
+            <a:solidFill>
+              <a:prstClr val="black"/>
+            </a:solidFill>
+          </a:ln>
+        </p:spPr>
+        <p:txBody>
+          <a:bodyPr vert="horz" lIns="91440" tIns="45720" rIns="91440" bIns="45720" rtlCol="0" anchor="ctr"/>
+          <a:lstStyle/>
+          <a:p>
+            <a:endParaRPr lang="en-CA"/>
+          </a:p>
+        </p:txBody>
+      </p:sp>
+      <p:sp>
+        <p:nvSpPr>
+          <p:cNvPr id="5" name="Notes Placeholder 4"/>
+          <p:cNvSpPr>
+            <a:spLocks noGrp="1"/>
+          </p:cNvSpPr>
+          <p:nvPr>
+            <p:ph type="body" sz="quarter" idx="3"/>
+          </p:nvPr>
+        </p:nvSpPr>
+        <p:spPr>
+          <a:xfrm>
+            <a:off x="685800" y="4400550"/>
+            <a:ext cx="5486400" cy="3600450"/>
+          </a:xfrm>
+          <a:prstGeom prst="rect">
+            <a:avLst/>
+          </a:prstGeom>
+        </p:spPr>
+        <p:txBody>
+          <a:bodyPr vert="horz" lIns="91440" tIns="45720" rIns="91440" bIns="45720" rtlCol="0"/>
+          <a:lstStyle/>
+          <a:p>
+            <a:pPr lvl="0"/>
+            <a:r>
+              <a:rPr lang="en-US"/>
+              <a:t>Edit Master text styles</a:t>
+            </a:r>
+          </a:p>
+          <a:p>
+            <a:pPr lvl="1"/>
+            <a:r>
+              <a:rPr lang="en-US"/>
+              <a:t>Second level</a:t>
+            </a:r>
+          </a:p>
+          <a:p>
+            <a:pPr lvl="2"/>
+            <a:r>
+              <a:rPr lang="en-US"/>
+              <a:t>Third level</a:t>
+            </a:r>
+          </a:p>
+          <a:p>
+            <a:pPr lvl="3"/>
+            <a:r>
+              <a:rPr lang="en-US"/>
+              <a:t>Fourth level</a:t>
+            </a:r>
+          </a:p>
+          <a:p>
+            <a:pPr lvl="4"/>
+            <a:r>
+              <a:rPr lang="en-US"/>
+              <a:t>Fifth level</a:t>
+            </a:r>
+            <a:endParaRPr lang="en-CA"/>
+          </a:p>
+        </p:txBody>
+      </p:sp>
+      <p:sp>
+        <p:nvSpPr>
+          <p:cNvPr id="6" name="Footer Placeholder 5"/>
+          <p:cNvSpPr>
+            <a:spLocks noGrp="1"/>
+          </p:cNvSpPr>
+          <p:nvPr>
+            <p:ph type="ftr" sz="quarter" idx="4"/>
+          </p:nvPr>
+        </p:nvSpPr>
+        <p:spPr>
+          <a:xfrm>
+            <a:off x="0" y="8685213"/>
+            <a:ext cx="2971800" cy="458787"/>
+          </a:xfrm>
+          <a:prstGeom prst="rect">
+            <a:avLst/>
+          </a:prstGeom>
+        </p:spPr>
+        <p:txBody>
+          <a:bodyPr vert="horz" lIns="91440" tIns="45720" rIns="91440" bIns="45720" rtlCol="0" anchor="b"/>
+          <a:lstStyle>
+            <a:lvl1pPr algn="l">
+              <a:defRPr sz="1200"/>
+            </a:lvl1pPr>
+          </a:lstStyle>
+          <a:p>
+            <a:endParaRPr lang="en-CA"/>
+          </a:p>
+        </p:txBody>
+      </p:sp>
+      <p:sp>
+        <p:nvSpPr>
+          <p:cNvPr id="7" name="Slide Number Placeholder 6"/>
+          <p:cNvSpPr>
+            <a:spLocks noGrp="1"/>
+          </p:cNvSpPr>
+          <p:nvPr>
+            <p:ph type="sldNum" sz="quarter" idx="5"/>
+          </p:nvPr>
+        </p:nvSpPr>
+        <p:spPr>
+          <a:xfrm>
+            <a:off x="3884613" y="8685213"/>
+            <a:ext cx="2971800" cy="458787"/>
+          </a:xfrm>
+          <a:prstGeom prst="rect">
+            <a:avLst/>
+          </a:prstGeom>
+        </p:spPr>
+        <p:txBody>
+          <a:bodyPr vert="horz" lIns="91440" tIns="45720" rIns="91440" bIns="45720" rtlCol="0" anchor="b"/>
+          <a:lstStyle>
+            <a:lvl1pPr algn="r">
+              <a:defRPr sz="1200"/>
+            </a:lvl1pPr>
+          </a:lstStyle>
+          <a:p>
+            <a:fld id="{25EAE5B7-E821-493B-86E7-A60BE02FC1B3}" type="slidenum">
+              <a:rPr lang="en-CA" smtClean="0"/>
+              <a:t>‹#›</a:t>
+            </a:fld>
+            <a:endParaRPr lang="en-CA"/>
+          </a:p>
+        </p:txBody>
+      </p:sp>
+    </p:spTree>
+    <p:extLst>
+      <p:ext uri="{BB962C8B-B14F-4D97-AF65-F5344CB8AC3E}">
+        <p14:creationId xmlns:p14="http://schemas.microsoft.com/office/powerpoint/2010/main" val="779957813"/>
+      </p:ext>
+    </p:extLst>
+  </p:cSld>
+  <p:clrMap bg1="lt1" tx1="dk1" bg2="lt2" tx2="dk2" accent1="accent1" accent2="accent2" accent3="accent3" accent4="accent4" accent5="accent5" accent6="accent6" hlink="hlink" folHlink="folHlink"/>
+  <p:notesStyle>
+    <a:lvl1pPr marL="0" algn="l" defTabSz="914400" rtl="0" eaLnBrk="1" latinLnBrk="0" hangingPunct="1">
+      <a:defRPr sz="1200" kern="1200">
+        <a:solidFill>
+          <a:schemeClr val="tx1"/>
+        </a:solidFill>
+        <a:latin typeface="+mn-lt"/>
+        <a:ea typeface="+mn-ea"/>
+        <a:cs typeface="+mn-cs"/>
+      </a:defRPr>
+    </a:lvl1pPr>
+    <a:lvl2pPr marL="457200" algn="l" defTabSz="914400" rtl="0" eaLnBrk="1" latinLnBrk="0" hangingPunct="1">
+      <a:defRPr sz="1200" kern="1200">
+        <a:solidFill>
+          <a:schemeClr val="tx1"/>
+        </a:solidFill>
+        <a:latin typeface="+mn-lt"/>
+        <a:ea typeface="+mn-ea"/>
+        <a:cs typeface="+mn-cs"/>
+      </a:defRPr>
+    </a:lvl2pPr>
+    <a:lvl3pPr marL="914400" algn="l" defTabSz="914400" rtl="0" eaLnBrk="1" latinLnBrk="0" hangingPunct="1">
+      <a:defRPr sz="1200" kern="1200">
+        <a:solidFill>
+          <a:schemeClr val="tx1"/>
+        </a:solidFill>
+        <a:latin typeface="+mn-lt"/>
+        <a:ea typeface="+mn-ea"/>
+        <a:cs typeface="+mn-cs"/>
+      </a:defRPr>
+    </a:lvl3pPr>
+    <a:lvl4pPr marL="1371600" algn="l" defTabSz="914400" rtl="0" eaLnBrk="1" latinLnBrk="0" hangingPunct="1">
+      <a:defRPr sz="1200" kern="1200">
+        <a:solidFill>
+          <a:schemeClr val="tx1"/>
+        </a:solidFill>
+        <a:latin typeface="+mn-lt"/>
+        <a:ea typeface="+mn-ea"/>
+        <a:cs typeface="+mn-cs"/>
+      </a:defRPr>
+    </a:lvl4pPr>
+    <a:lvl5pPr marL="1828800" algn="l" defTabSz="914400" rtl="0" eaLnBrk="1" latinLnBrk="0" hangingPunct="1">
+      <a:defRPr sz="1200" kern="1200">
+        <a:solidFill>
+          <a:schemeClr val="tx1"/>
+        </a:solidFill>
+        <a:latin typeface="+mn-lt"/>
+        <a:ea typeface="+mn-ea"/>
+        <a:cs typeface="+mn-cs"/>
+      </a:defRPr>
+    </a:lvl5pPr>
+    <a:lvl6pPr marL="2286000" algn="l" defTabSz="914400" rtl="0" eaLnBrk="1" latinLnBrk="0" hangingPunct="1">
+      <a:defRPr sz="1200" kern="1200">
+        <a:solidFill>
+          <a:schemeClr val="tx1"/>
+        </a:solidFill>
+        <a:latin typeface="+mn-lt"/>
+        <a:ea typeface="+mn-ea"/>
+        <a:cs typeface="+mn-cs"/>
+      </a:defRPr>
+    </a:lvl6pPr>
+    <a:lvl7pPr marL="2743200" algn="l" defTabSz="914400" rtl="0" eaLnBrk="1" latinLnBrk="0" hangingPunct="1">
+      <a:defRPr sz="1200" kern="1200">
+        <a:solidFill>
+          <a:schemeClr val="tx1"/>
+        </a:solidFill>
+        <a:latin typeface="+mn-lt"/>
+        <a:ea typeface="+mn-ea"/>
+        <a:cs typeface="+mn-cs"/>
+      </a:defRPr>
+    </a:lvl7pPr>
+    <a:lvl8pPr marL="3200400" algn="l" defTabSz="914400" rtl="0" eaLnBrk="1" latinLnBrk="0" hangingPunct="1">
+      <a:defRPr sz="1200" kern="1200">
+        <a:solidFill>
+          <a:schemeClr val="tx1"/>
+        </a:solidFill>
+        <a:latin typeface="+mn-lt"/>
+        <a:ea typeface="+mn-ea"/>
+        <a:cs typeface="+mn-cs"/>
+      </a:defRPr>
+    </a:lvl8pPr>
+    <a:lvl9pPr marL="3657600" algn="l" defTabSz="914400" rtl="0" eaLnBrk="1" latinLnBrk="0" hangingPunct="1">
+      <a:defRPr sz="1200" kern="1200">
+        <a:solidFill>
+          <a:schemeClr val="tx1"/>
+        </a:solidFill>
+        <a:latin typeface="+mn-lt"/>
+        <a:ea typeface="+mn-ea"/>
+        <a:cs typeface="+mn-cs"/>
+      </a:defRPr>
+    </a:lvl9pPr>
+  </p:notesStyle>
+</p:notesMaster>
+</file>
+
+<file path=ppt/notesSlides/notesSlide1.xml><?xml version="1.0" encoding="utf-8"?>
+<p:notes xmlns:a="http://schemas.openxmlformats.org/drawingml/2006/main" xmlns:r="http://schemas.openxmlformats.org/officeDocument/2006/relationships" xmlns:p="http://schemas.openxmlformats.org/presentationml/2006/main">
+  <p:cSld>
+    <p:spTree>
+      <p:nvGrpSpPr>
+        <p:cNvPr id="1" name=""/>
+        <p:cNvGrpSpPr/>
+        <p:nvPr/>
+      </p:nvGrpSpPr>
+      <p:grpSpPr>
+        <a:xfrm>
+          <a:off x="0" y="0"/>
+          <a:ext cx="0" cy="0"/>
+          <a:chOff x="0" y="0"/>
+          <a:chExt cx="0" cy="0"/>
+        </a:xfrm>
+      </p:grpSpPr>
+      <p:sp>
+        <p:nvSpPr>
+          <p:cNvPr id="2" name="Slide Image Placeholder 1"/>
+          <p:cNvSpPr>
+            <a:spLocks noGrp="1" noRot="1" noChangeAspect="1"/>
+          </p:cNvSpPr>
+          <p:nvPr>
+            <p:ph type="sldImg"/>
+          </p:nvPr>
+        </p:nvSpPr>
+        <p:spPr/>
+      </p:sp>
+      <p:sp>
+        <p:nvSpPr>
+          <p:cNvPr id="3" name="Notes Placeholder 2"/>
+          <p:cNvSpPr>
+            <a:spLocks noGrp="1"/>
+          </p:cNvSpPr>
+          <p:nvPr>
+            <p:ph type="body" idx="1"/>
+          </p:nvPr>
+        </p:nvSpPr>
+        <p:spPr/>
+        <p:txBody>
+          <a:bodyPr/>
+          <a:lstStyle/>
+          <a:p>
+            <a:r>
+              <a:rPr lang="en-US" dirty="0"/>
+              <a:t>Do the books with the most number of ratings also have the highest average ratings? </a:t>
+            </a:r>
+            <a:endParaRPr lang="en-CA" dirty="0"/>
+          </a:p>
+        </p:txBody>
+      </p:sp>
+      <p:sp>
+        <p:nvSpPr>
+          <p:cNvPr id="4" name="Slide Number Placeholder 3"/>
+          <p:cNvSpPr>
+            <a:spLocks noGrp="1"/>
+          </p:cNvSpPr>
+          <p:nvPr>
+            <p:ph type="sldNum" sz="quarter" idx="5"/>
+          </p:nvPr>
+        </p:nvSpPr>
+        <p:spPr/>
+        <p:txBody>
+          <a:bodyPr/>
+          <a:lstStyle/>
+          <a:p>
+            <a:fld id="{25EAE5B7-E821-493B-86E7-A60BE02FC1B3}" type="slidenum">
+              <a:rPr lang="en-CA" smtClean="0"/>
+              <a:t>1</a:t>
+            </a:fld>
+            <a:endParaRPr lang="en-CA"/>
+          </a:p>
+        </p:txBody>
+      </p:sp>
+    </p:spTree>
+    <p:extLst>
+      <p:ext uri="{BB962C8B-B14F-4D97-AF65-F5344CB8AC3E}">
+        <p14:creationId xmlns:p14="http://schemas.microsoft.com/office/powerpoint/2010/main" val="2215487048"/>
+      </p:ext>
+    </p:extLst>
+  </p:cSld>
+  <p:clrMapOvr>
+    <a:masterClrMapping/>
+  </p:clrMapOvr>
+</p:notes>
 </file>
 
 <file path=ppt/slideLayouts/slideLayout1.xml><?xml version="1.0" encoding="utf-8"?>
@@ -294,7 +741,7 @@
           <a:p>
             <a:fld id="{48A87A34-81AB-432B-8DAE-1953F412C126}" type="datetimeFigureOut">
               <a:rPr lang="en-US" smtClean="0"/>
-              <a:t>2/26/2019</a:t>
+              <a:t>2/27/2019</a:t>
             </a:fld>
             <a:endParaRPr lang="en-US" dirty="0"/>
           </a:p>
@@ -570,7 +1017,7 @@
             <a:fld id="{48A87A34-81AB-432B-8DAE-1953F412C126}" type="datetimeFigureOut">
               <a:rPr lang="en-US" smtClean="0"/>
               <a:pPr/>
-              <a:t>2/26/2019</a:t>
+              <a:t>2/27/2019</a:t>
             </a:fld>
             <a:endParaRPr lang="en-US" dirty="0"/>
           </a:p>
@@ -766,7 +1213,7 @@
             <a:fld id="{48A87A34-81AB-432B-8DAE-1953F412C126}" type="datetimeFigureOut">
               <a:rPr lang="en-US" smtClean="0"/>
               <a:pPr/>
-              <a:t>2/26/2019</a:t>
+              <a:t>2/27/2019</a:t>
             </a:fld>
             <a:endParaRPr lang="en-US" dirty="0"/>
           </a:p>
@@ -1041,7 +1488,7 @@
             <a:fld id="{48A87A34-81AB-432B-8DAE-1953F412C126}" type="datetimeFigureOut">
               <a:rPr lang="en-US" smtClean="0"/>
               <a:pPr/>
-              <a:t>2/26/2019</a:t>
+              <a:t>2/27/2019</a:t>
             </a:fld>
             <a:endParaRPr lang="en-US" dirty="0"/>
           </a:p>
@@ -1384,7 +1831,7 @@
             <a:fld id="{48A87A34-81AB-432B-8DAE-1953F412C126}" type="datetimeFigureOut">
               <a:rPr lang="en-US" smtClean="0"/>
               <a:pPr/>
-              <a:t>2/26/2019</a:t>
+              <a:t>2/27/2019</a:t>
             </a:fld>
             <a:endParaRPr lang="en-US" dirty="0"/>
           </a:p>
@@ -2009,7 +2456,7 @@
             <a:fld id="{48A87A34-81AB-432B-8DAE-1953F412C126}" type="datetimeFigureOut">
               <a:rPr lang="en-US" smtClean="0"/>
               <a:pPr/>
-              <a:t>2/26/2019</a:t>
+              <a:t>2/27/2019</a:t>
             </a:fld>
             <a:endParaRPr lang="en-US" dirty="0"/>
           </a:p>
@@ -2871,7 +3318,7 @@
             <a:fld id="{48A87A34-81AB-432B-8DAE-1953F412C126}" type="datetimeFigureOut">
               <a:rPr lang="en-US" smtClean="0"/>
               <a:pPr/>
-              <a:t>2/26/2019</a:t>
+              <a:t>2/27/2019</a:t>
             </a:fld>
             <a:endParaRPr lang="en-US" dirty="0"/>
           </a:p>
@@ -3042,7 +3489,7 @@
           <a:p>
             <a:fld id="{48A87A34-81AB-432B-8DAE-1953F412C126}" type="datetimeFigureOut">
               <a:rPr lang="en-US" smtClean="0"/>
-              <a:t>2/26/2019</a:t>
+              <a:t>2/27/2019</a:t>
             </a:fld>
             <a:endParaRPr lang="en-US" dirty="0"/>
           </a:p>
@@ -3223,7 +3670,7 @@
             <a:fld id="{48A87A34-81AB-432B-8DAE-1953F412C126}" type="datetimeFigureOut">
               <a:rPr lang="en-US" smtClean="0"/>
               <a:pPr/>
-              <a:t>2/26/2019</a:t>
+              <a:t>2/27/2019</a:t>
             </a:fld>
             <a:endParaRPr lang="en-US" dirty="0"/>
           </a:p>
@@ -3393,7 +3840,7 @@
           <a:p>
             <a:fld id="{48A87A34-81AB-432B-8DAE-1953F412C126}" type="datetimeFigureOut">
               <a:rPr lang="en-US" smtClean="0"/>
-              <a:t>2/26/2019</a:t>
+              <a:t>2/27/2019</a:t>
             </a:fld>
             <a:endParaRPr lang="en-US" dirty="0"/>
           </a:p>
@@ -3641,7 +4088,7 @@
             <a:fld id="{48A87A34-81AB-432B-8DAE-1953F412C126}" type="datetimeFigureOut">
               <a:rPr lang="en-US" smtClean="0"/>
               <a:pPr/>
-              <a:t>2/26/2019</a:t>
+              <a:t>2/27/2019</a:t>
             </a:fld>
             <a:endParaRPr lang="en-US" dirty="0"/>
           </a:p>
@@ -3933,7 +4380,7 @@
           <a:p>
             <a:fld id="{48A87A34-81AB-432B-8DAE-1953F412C126}" type="datetimeFigureOut">
               <a:rPr lang="en-US" smtClean="0"/>
-              <a:t>2/26/2019</a:t>
+              <a:t>2/27/2019</a:t>
             </a:fld>
             <a:endParaRPr lang="en-US" dirty="0"/>
           </a:p>
@@ -4377,7 +4824,7 @@
           <a:p>
             <a:fld id="{48A87A34-81AB-432B-8DAE-1953F412C126}" type="datetimeFigureOut">
               <a:rPr lang="en-US" smtClean="0"/>
-              <a:t>2/26/2019</a:t>
+              <a:t>2/27/2019</a:t>
             </a:fld>
             <a:endParaRPr lang="en-US" dirty="0"/>
           </a:p>
@@ -4495,7 +4942,7 @@
           <a:p>
             <a:fld id="{48A87A34-81AB-432B-8DAE-1953F412C126}" type="datetimeFigureOut">
               <a:rPr lang="en-US" smtClean="0"/>
-              <a:t>2/26/2019</a:t>
+              <a:t>2/27/2019</a:t>
             </a:fld>
             <a:endParaRPr lang="en-US" dirty="0"/>
           </a:p>
@@ -4590,7 +5037,7 @@
           <a:p>
             <a:fld id="{48A87A34-81AB-432B-8DAE-1953F412C126}" type="datetimeFigureOut">
               <a:rPr lang="en-US" smtClean="0"/>
-              <a:t>2/26/2019</a:t>
+              <a:t>2/27/2019</a:t>
             </a:fld>
             <a:endParaRPr lang="en-US" dirty="0"/>
           </a:p>
@@ -4869,7 +5316,7 @@
           <a:p>
             <a:fld id="{48A87A34-81AB-432B-8DAE-1953F412C126}" type="datetimeFigureOut">
               <a:rPr lang="en-US" smtClean="0"/>
-              <a:t>2/26/2019</a:t>
+              <a:t>2/27/2019</a:t>
             </a:fld>
             <a:endParaRPr lang="en-US" dirty="0"/>
           </a:p>
@@ -5144,7 +5591,7 @@
           <a:p>
             <a:fld id="{48A87A34-81AB-432B-8DAE-1953F412C126}" type="datetimeFigureOut">
               <a:rPr lang="en-US" smtClean="0"/>
-              <a:t>2/26/2019</a:t>
+              <a:t>2/27/2019</a:t>
             </a:fld>
             <a:endParaRPr lang="en-US" dirty="0"/>
           </a:p>
@@ -5574,7 +6021,7 @@
             <a:fld id="{48A87A34-81AB-432B-8DAE-1953F412C126}" type="datetimeFigureOut">
               <a:rPr lang="en-US" smtClean="0"/>
               <a:pPr/>
-              <a:t>2/26/2019</a:t>
+              <a:t>2/27/2019</a:t>
             </a:fld>
             <a:endParaRPr lang="en-US" dirty="0"/>
           </a:p>
@@ -6105,39 +6552,10 @@
       </p:grpSpPr>
       <p:pic>
         <p:nvPicPr>
-          <p:cNvPr id="5" name="Content Placeholder 4">
+          <p:cNvPr id="6" name="Picture 5">
             <a:extLst>
               <a:ext uri="{FF2B5EF4-FFF2-40B4-BE49-F238E27FC236}">
-                <a16:creationId xmlns:a16="http://schemas.microsoft.com/office/drawing/2014/main" id="{93A5CA7B-2470-417A-96B7-72FC431C86F0}"/>
-              </a:ext>
-            </a:extLst>
-          </p:cNvPr>
-          <p:cNvPicPr>
-            <a:picLocks noGrp="1" noChangeAspect="1"/>
-          </p:cNvPicPr>
-          <p:nvPr>
-            <p:ph idx="1"/>
-          </p:nvPr>
-        </p:nvPicPr>
-        <p:blipFill>
-          <a:blip r:embed="rId2"/>
-          <a:stretch>
-            <a:fillRect/>
-          </a:stretch>
-        </p:blipFill>
-        <p:spPr>
-          <a:xfrm>
-            <a:off x="308507" y="3249520"/>
-            <a:ext cx="5705733" cy="3376479"/>
-          </a:xfrm>
-        </p:spPr>
-      </p:pic>
-      <p:pic>
-        <p:nvPicPr>
-          <p:cNvPr id="7" name="Picture 6">
-            <a:extLst>
-              <a:ext uri="{FF2B5EF4-FFF2-40B4-BE49-F238E27FC236}">
-                <a16:creationId xmlns:a16="http://schemas.microsoft.com/office/drawing/2014/main" id="{F90659DA-3FA9-468C-9108-E8034CF26C6F}"/>
+                <a16:creationId xmlns:a16="http://schemas.microsoft.com/office/drawing/2014/main" id="{450E904A-6D7C-46DF-A0C6-0DB338D238EB}"/>
               </a:ext>
             </a:extLst>
           </p:cNvPr>
@@ -6154,20 +6572,110 @@
         </p:blipFill>
         <p:spPr>
           <a:xfrm>
-            <a:off x="6266339" y="255956"/>
-            <a:ext cx="5733849" cy="3328568"/>
+            <a:off x="254645" y="914400"/>
+            <a:ext cx="4429928" cy="2435301"/>
           </a:xfrm>
           <a:prstGeom prst="rect">
             <a:avLst/>
           </a:prstGeom>
         </p:spPr>
       </p:pic>
-      <p:sp>
-        <p:nvSpPr>
-          <p:cNvPr id="8" name="TextBox 7">
+      <p:pic>
+        <p:nvPicPr>
+          <p:cNvPr id="11" name="Picture 10">
             <a:extLst>
               <a:ext uri="{FF2B5EF4-FFF2-40B4-BE49-F238E27FC236}">
-                <a16:creationId xmlns:a16="http://schemas.microsoft.com/office/drawing/2014/main" id="{625B3722-58DE-49D8-91C4-EF8F703C00D3}"/>
+                <a16:creationId xmlns:a16="http://schemas.microsoft.com/office/drawing/2014/main" id="{D0251A19-E96B-4D49-BA1A-D828E86E8D35}"/>
+              </a:ext>
+            </a:extLst>
+          </p:cNvPr>
+          <p:cNvPicPr>
+            <a:picLocks noChangeAspect="1"/>
+          </p:cNvPicPr>
+          <p:nvPr/>
+        </p:nvPicPr>
+        <p:blipFill>
+          <a:blip r:embed="rId4"/>
+          <a:stretch>
+            <a:fillRect/>
+          </a:stretch>
+        </p:blipFill>
+        <p:spPr>
+          <a:xfrm>
+            <a:off x="213024" y="4009901"/>
+            <a:ext cx="4429928" cy="2435301"/>
+          </a:xfrm>
+          <a:prstGeom prst="rect">
+            <a:avLst/>
+          </a:prstGeom>
+        </p:spPr>
+      </p:pic>
+      <p:pic>
+        <p:nvPicPr>
+          <p:cNvPr id="13" name="Picture 12">
+            <a:extLst>
+              <a:ext uri="{FF2B5EF4-FFF2-40B4-BE49-F238E27FC236}">
+                <a16:creationId xmlns:a16="http://schemas.microsoft.com/office/drawing/2014/main" id="{64F75D6A-C8BC-474E-9B93-FEA34188D221}"/>
+              </a:ext>
+            </a:extLst>
+          </p:cNvPr>
+          <p:cNvPicPr>
+            <a:picLocks noChangeAspect="1"/>
+          </p:cNvPicPr>
+          <p:nvPr/>
+        </p:nvPicPr>
+        <p:blipFill>
+          <a:blip r:embed="rId5"/>
+          <a:stretch>
+            <a:fillRect/>
+          </a:stretch>
+        </p:blipFill>
+        <p:spPr>
+          <a:xfrm>
+            <a:off x="7549048" y="4009902"/>
+            <a:ext cx="4429928" cy="2435301"/>
+          </a:xfrm>
+          <a:prstGeom prst="rect">
+            <a:avLst/>
+          </a:prstGeom>
+        </p:spPr>
+      </p:pic>
+      <p:pic>
+        <p:nvPicPr>
+          <p:cNvPr id="15" name="Picture 14">
+            <a:extLst>
+              <a:ext uri="{FF2B5EF4-FFF2-40B4-BE49-F238E27FC236}">
+                <a16:creationId xmlns:a16="http://schemas.microsoft.com/office/drawing/2014/main" id="{93D54FB8-0DDD-4C28-AF67-FB19A869C7E8}"/>
+              </a:ext>
+            </a:extLst>
+          </p:cNvPr>
+          <p:cNvPicPr>
+            <a:picLocks noChangeAspect="1"/>
+          </p:cNvPicPr>
+          <p:nvPr/>
+        </p:nvPicPr>
+        <p:blipFill>
+          <a:blip r:embed="rId6"/>
+          <a:stretch>
+            <a:fillRect/>
+          </a:stretch>
+        </p:blipFill>
+        <p:spPr>
+          <a:xfrm>
+            <a:off x="7549048" y="914400"/>
+            <a:ext cx="4429928" cy="2435301"/>
+          </a:xfrm>
+          <a:prstGeom prst="rect">
+            <a:avLst/>
+          </a:prstGeom>
+        </p:spPr>
+      </p:pic>
+      <p:sp>
+        <p:nvSpPr>
+          <p:cNvPr id="16" name="TextBox 15">
+            <a:extLst>
+              <a:ext uri="{FF2B5EF4-FFF2-40B4-BE49-F238E27FC236}">
+                <a16:creationId xmlns:a16="http://schemas.microsoft.com/office/drawing/2014/main" id="{C95F9E9E-5780-4E12-B7AE-60C5C1CCC7B2}"/>
               </a:ext>
             </a:extLst>
           </p:cNvPr>
@@ -6176,8 +6684,8 @@
         </p:nvSpPr>
         <p:spPr>
           <a:xfrm>
-            <a:off x="191812" y="1129085"/>
-            <a:ext cx="5822428" cy="1107996"/>
+            <a:off x="676335" y="412797"/>
+            <a:ext cx="3961341" cy="369332"/>
           </a:xfrm>
           <a:prstGeom prst="rect">
             <a:avLst/>
@@ -6191,31 +6699,19 @@
           <a:lstStyle/>
           <a:p>
             <a:r>
-              <a:rPr lang="en-US" sz="2200" dirty="0"/>
-              <a:t>Do the books with the highest count of </a:t>
-            </a:r>
-          </a:p>
-          <a:p>
-            <a:r>
-              <a:rPr lang="en-US" sz="2200" dirty="0"/>
-              <a:t>ratings (most reviewed) have the highest </a:t>
-            </a:r>
-          </a:p>
-          <a:p>
-            <a:r>
-              <a:rPr lang="en-US" sz="2200" dirty="0"/>
-              <a:t>average ratings?</a:t>
-            </a:r>
-            <a:endParaRPr lang="en-CA" sz="2200" dirty="0"/>
-          </a:p>
-        </p:txBody>
-      </p:sp>
-      <p:sp>
-        <p:nvSpPr>
-          <p:cNvPr id="9" name="TextBox 8">
+              <a:rPr lang="en-US" b="1" u="sng" dirty="0"/>
+              <a:t>Top 5 Books by Number of Ratings</a:t>
+            </a:r>
+            <a:endParaRPr lang="en-CA" b="1" u="sng" dirty="0"/>
+          </a:p>
+        </p:txBody>
+      </p:sp>
+      <p:sp>
+        <p:nvSpPr>
+          <p:cNvPr id="17" name="TextBox 16">
             <a:extLst>
               <a:ext uri="{FF2B5EF4-FFF2-40B4-BE49-F238E27FC236}">
-                <a16:creationId xmlns:a16="http://schemas.microsoft.com/office/drawing/2014/main" id="{ACD09379-04F7-4176-B627-A8280DE0F831}"/>
+                <a16:creationId xmlns:a16="http://schemas.microsoft.com/office/drawing/2014/main" id="{EAB30FB6-2DDC-4437-8684-75CB43899FC1}"/>
               </a:ext>
             </a:extLst>
           </p:cNvPr>
@@ -6224,8 +6720,8 @@
         </p:nvSpPr>
         <p:spPr>
           <a:xfrm>
-            <a:off x="6313420" y="4392903"/>
-            <a:ext cx="5666936" cy="1477328"/>
+            <a:off x="7659737" y="412797"/>
+            <a:ext cx="3659976" cy="369332"/>
           </a:xfrm>
           <a:prstGeom prst="rect">
             <a:avLst/>
@@ -6239,37 +6735,133 @@
           <a:lstStyle/>
           <a:p>
             <a:r>
-              <a:rPr lang="en-US" sz="1500" dirty="0"/>
-              <a:t>That is not the case as the books with the highest average </a:t>
-            </a:r>
-          </a:p>
-          <a:p>
-            <a:r>
-              <a:rPr lang="en-US" sz="1500" dirty="0"/>
-              <a:t>ratings and the ones with the highest number of ratings </a:t>
-            </a:r>
-          </a:p>
-          <a:p>
-            <a:r>
-              <a:rPr lang="en-US" sz="1500" dirty="0"/>
-              <a:t>do not match. </a:t>
-            </a:r>
-          </a:p>
-          <a:p>
-            <a:endParaRPr lang="en-US" sz="1500" dirty="0"/>
-          </a:p>
-          <a:p>
-            <a:r>
-              <a:rPr lang="en-US" sz="1500" dirty="0"/>
-              <a:t>The ones with the highest average ratings have way fewer </a:t>
-            </a:r>
-          </a:p>
-          <a:p>
-            <a:r>
-              <a:rPr lang="en-US" sz="1500" dirty="0"/>
-              <a:t>reviews and the proportion of ratings of 5 are higher.</a:t>
-            </a:r>
-            <a:endParaRPr lang="en-CA" sz="1500" dirty="0"/>
+              <a:rPr lang="en-US" b="1" u="sng" dirty="0"/>
+              <a:t>Top 5 Books by Average Rating</a:t>
+            </a:r>
+            <a:endParaRPr lang="en-CA" b="1" u="sng" dirty="0"/>
+          </a:p>
+        </p:txBody>
+      </p:sp>
+      <p:cxnSp>
+        <p:nvCxnSpPr>
+          <p:cNvPr id="19" name="Straight Connector 18">
+            <a:extLst>
+              <a:ext uri="{FF2B5EF4-FFF2-40B4-BE49-F238E27FC236}">
+                <a16:creationId xmlns:a16="http://schemas.microsoft.com/office/drawing/2014/main" id="{964DCC3C-0581-4F26-A1F1-5A82BBAFBF67}"/>
+              </a:ext>
+            </a:extLst>
+          </p:cNvPr>
+          <p:cNvCxnSpPr/>
+          <p:nvPr/>
+        </p:nvCxnSpPr>
+        <p:spPr>
+          <a:xfrm>
+            <a:off x="4943494" y="-75537"/>
+            <a:ext cx="0" cy="6933537"/>
+          </a:xfrm>
+          <a:prstGeom prst="line">
+            <a:avLst/>
+          </a:prstGeom>
+          <a:ln w="76200">
+            <a:solidFill>
+              <a:schemeClr val="bg1">
+                <a:lumMod val="95000"/>
+                <a:lumOff val="5000"/>
+              </a:schemeClr>
+            </a:solidFill>
+          </a:ln>
+        </p:spPr>
+        <p:style>
+          <a:lnRef idx="1">
+            <a:schemeClr val="accent1"/>
+          </a:lnRef>
+          <a:fillRef idx="0">
+            <a:schemeClr val="accent1"/>
+          </a:fillRef>
+          <a:effectRef idx="0">
+            <a:schemeClr val="accent1"/>
+          </a:effectRef>
+          <a:fontRef idx="minor">
+            <a:schemeClr val="tx1"/>
+          </a:fontRef>
+        </p:style>
+      </p:cxnSp>
+      <p:cxnSp>
+        <p:nvCxnSpPr>
+          <p:cNvPr id="20" name="Straight Connector 19">
+            <a:extLst>
+              <a:ext uri="{FF2B5EF4-FFF2-40B4-BE49-F238E27FC236}">
+                <a16:creationId xmlns:a16="http://schemas.microsoft.com/office/drawing/2014/main" id="{2EBAE2AD-BC6C-49CD-98CE-7CE34AF679F0}"/>
+              </a:ext>
+            </a:extLst>
+          </p:cNvPr>
+          <p:cNvCxnSpPr/>
+          <p:nvPr/>
+        </p:nvCxnSpPr>
+        <p:spPr>
+          <a:xfrm>
+            <a:off x="7343048" y="-37769"/>
+            <a:ext cx="0" cy="6933537"/>
+          </a:xfrm>
+          <a:prstGeom prst="line">
+            <a:avLst/>
+          </a:prstGeom>
+          <a:ln w="76200">
+            <a:solidFill>
+              <a:schemeClr val="bg1">
+                <a:lumMod val="95000"/>
+                <a:lumOff val="5000"/>
+              </a:schemeClr>
+            </a:solidFill>
+          </a:ln>
+        </p:spPr>
+        <p:style>
+          <a:lnRef idx="1">
+            <a:schemeClr val="accent1"/>
+          </a:lnRef>
+          <a:fillRef idx="0">
+            <a:schemeClr val="accent1"/>
+          </a:fillRef>
+          <a:effectRef idx="0">
+            <a:schemeClr val="accent1"/>
+          </a:effectRef>
+          <a:fontRef idx="minor">
+            <a:schemeClr val="tx1"/>
+          </a:fontRef>
+        </p:style>
+      </p:cxnSp>
+      <p:sp>
+        <p:nvSpPr>
+          <p:cNvPr id="2" name="Rectangle 1">
+            <a:extLst>
+              <a:ext uri="{FF2B5EF4-FFF2-40B4-BE49-F238E27FC236}">
+                <a16:creationId xmlns:a16="http://schemas.microsoft.com/office/drawing/2014/main" id="{1672A6D9-B5AC-47B4-9E02-79A7DE9D1D57}"/>
+              </a:ext>
+            </a:extLst>
+          </p:cNvPr>
+          <p:cNvSpPr/>
+          <p:nvPr/>
+        </p:nvSpPr>
+        <p:spPr>
+          <a:xfrm>
+            <a:off x="5149494" y="2532573"/>
+            <a:ext cx="2173993" cy="1477328"/>
+          </a:xfrm>
+          <a:prstGeom prst="rect">
+            <a:avLst/>
+          </a:prstGeom>
+        </p:spPr>
+        <p:txBody>
+          <a:bodyPr wrap="square">
+            <a:spAutoFit/>
+          </a:bodyPr>
+          <a:lstStyle/>
+          <a:p>
+            <a:r>
+              <a:rPr lang="en-US" dirty="0"/>
+              <a:t>Do the books with the most number of ratings also have the highest average ratings? </a:t>
+            </a:r>
+            <a:endParaRPr lang="en-CA" dirty="0"/>
           </a:p>
         </p:txBody>
       </p:sp>
@@ -6469,8 +7061,8 @@
         </p:nvSpPr>
         <p:spPr>
           <a:xfrm>
-            <a:off x="7372990" y="1988144"/>
-            <a:ext cx="4211409" cy="1200329"/>
+            <a:off x="7087718" y="1336137"/>
+            <a:ext cx="5136342" cy="1200329"/>
           </a:xfrm>
           <a:prstGeom prst="rect">
             <a:avLst/>
@@ -6485,25 +7077,25 @@
           <a:p>
             <a:r>
               <a:rPr lang="en-US" dirty="0"/>
-              <a:t>Are books more recently published </a:t>
+              <a:t>Are books that are more recently published </a:t>
             </a:r>
           </a:p>
           <a:p>
             <a:r>
               <a:rPr lang="en-US" dirty="0"/>
-              <a:t>more popular? (As this dataset only</a:t>
+              <a:t>more popular? (The dataset Includes 10,000 </a:t>
             </a:r>
           </a:p>
           <a:p>
             <a:r>
               <a:rPr lang="en-US" dirty="0"/>
-              <a:t>Includes 10,000 of the most popular </a:t>
+              <a:t>of the most popular books on </a:t>
             </a:r>
           </a:p>
           <a:p>
             <a:r>
               <a:rPr lang="en-US" dirty="0"/>
-              <a:t>books on Goodreads.com)</a:t>
+              <a:t>Goodreads.com)</a:t>
             </a:r>
             <a:endParaRPr lang="en-CA" dirty="0"/>
           </a:p>
@@ -6523,8 +7115,8 @@
         </p:nvSpPr>
         <p:spPr>
           <a:xfrm>
-            <a:off x="7372989" y="3669528"/>
-            <a:ext cx="4211409" cy="1477328"/>
+            <a:off x="7085439" y="4354755"/>
+            <a:ext cx="4888249" cy="1477328"/>
           </a:xfrm>
           <a:prstGeom prst="rect">
             <a:avLst/>
@@ -6545,13 +7137,13 @@
           <a:p>
             <a:r>
               <a:rPr lang="en-US" dirty="0"/>
-              <a:t>So does the number of books found </a:t>
+              <a:t>so does the number of books found </a:t>
             </a:r>
           </a:p>
           <a:p>
             <a:r>
               <a:rPr lang="en-US" dirty="0"/>
-              <a:t>In this dataset. We should keep in mind</a:t>
+              <a:t>in this dataset. We should keep in mind</a:t>
             </a:r>
             <a:r>
               <a:rPr lang="en-CA" dirty="0"/>
@@ -6563,19 +7155,15 @@
             </a:r>
             <a:r>
               <a:rPr lang="en-CA" dirty="0"/>
-              <a:t>hat more books are being published now </a:t>
+              <a:t>hat </a:t>
             </a:r>
             <a:r>
               <a:rPr lang="en-US" dirty="0"/>
-              <a:t>t</a:t>
-            </a:r>
-            <a:r>
-              <a:rPr lang="en-CA" dirty="0" err="1"/>
-              <a:t>han</a:t>
+              <a:t>the number of books published per year is increasing as well</a:t>
             </a:r>
             <a:r>
               <a:rPr lang="en-CA" dirty="0"/>
-              <a:t> ever before.</a:t>
+              <a:t>.</a:t>
             </a:r>
             <a:endParaRPr lang="en-US" dirty="0"/>
           </a:p>
@@ -6585,6 +7173,281 @@
     <p:extLst>
       <p:ext uri="{BB962C8B-B14F-4D97-AF65-F5344CB8AC3E}">
         <p14:creationId xmlns:p14="http://schemas.microsoft.com/office/powerpoint/2010/main" val="3778360963"/>
+      </p:ext>
+    </p:extLst>
+  </p:cSld>
+  <p:clrMapOvr>
+    <a:masterClrMapping/>
+  </p:clrMapOvr>
+</p:sld>
+</file>
+
+<file path=ppt/slides/slide3.xml><?xml version="1.0" encoding="utf-8"?>
+<p:sld xmlns:a="http://schemas.openxmlformats.org/drawingml/2006/main" xmlns:r="http://schemas.openxmlformats.org/officeDocument/2006/relationships" xmlns:p="http://schemas.openxmlformats.org/presentationml/2006/main">
+  <p:cSld>
+    <p:spTree>
+      <p:nvGrpSpPr>
+        <p:cNvPr id="1" name=""/>
+        <p:cNvGrpSpPr/>
+        <p:nvPr/>
+      </p:nvGrpSpPr>
+      <p:grpSpPr>
+        <a:xfrm>
+          <a:off x="0" y="0"/>
+          <a:ext cx="0" cy="0"/>
+          <a:chOff x="0" y="0"/>
+          <a:chExt cx="0" cy="0"/>
+        </a:xfrm>
+      </p:grpSpPr>
+      <p:pic>
+        <p:nvPicPr>
+          <p:cNvPr id="5" name="Content Placeholder 4">
+            <a:extLst>
+              <a:ext uri="{FF2B5EF4-FFF2-40B4-BE49-F238E27FC236}">
+                <a16:creationId xmlns:a16="http://schemas.microsoft.com/office/drawing/2014/main" id="{34C15AFF-31DE-4A33-BE1F-8D60865C6B46}"/>
+              </a:ext>
+            </a:extLst>
+          </p:cNvPr>
+          <p:cNvPicPr>
+            <a:picLocks noGrp="1" noChangeAspect="1"/>
+          </p:cNvPicPr>
+          <p:nvPr>
+            <p:ph idx="1"/>
+          </p:nvPr>
+        </p:nvPicPr>
+        <p:blipFill>
+          <a:blip r:embed="rId2"/>
+          <a:stretch>
+            <a:fillRect/>
+          </a:stretch>
+        </p:blipFill>
+        <p:spPr>
+          <a:xfrm>
+            <a:off x="6096000" y="153753"/>
+            <a:ext cx="5957830" cy="3275247"/>
+          </a:xfrm>
+        </p:spPr>
+      </p:pic>
+      <p:pic>
+        <p:nvPicPr>
+          <p:cNvPr id="7" name="Picture 6">
+            <a:extLst>
+              <a:ext uri="{FF2B5EF4-FFF2-40B4-BE49-F238E27FC236}">
+                <a16:creationId xmlns:a16="http://schemas.microsoft.com/office/drawing/2014/main" id="{42D0F9D2-E562-46FE-AF7B-18EB393AE2BD}"/>
+              </a:ext>
+            </a:extLst>
+          </p:cNvPr>
+          <p:cNvPicPr>
+            <a:picLocks noChangeAspect="1"/>
+          </p:cNvPicPr>
+          <p:nvPr/>
+        </p:nvPicPr>
+        <p:blipFill>
+          <a:blip r:embed="rId3"/>
+          <a:stretch>
+            <a:fillRect/>
+          </a:stretch>
+        </p:blipFill>
+        <p:spPr>
+          <a:xfrm>
+            <a:off x="6096000" y="3487799"/>
+            <a:ext cx="5957831" cy="3275247"/>
+          </a:xfrm>
+          <a:prstGeom prst="rect">
+            <a:avLst/>
+          </a:prstGeom>
+        </p:spPr>
+      </p:pic>
+      <p:sp>
+        <p:nvSpPr>
+          <p:cNvPr id="8" name="Rectangle 7">
+            <a:extLst>
+              <a:ext uri="{FF2B5EF4-FFF2-40B4-BE49-F238E27FC236}">
+                <a16:creationId xmlns:a16="http://schemas.microsoft.com/office/drawing/2014/main" id="{24EDBBDA-BD2B-4E1B-9594-21BF6032E30A}"/>
+              </a:ext>
+            </a:extLst>
+          </p:cNvPr>
+          <p:cNvSpPr/>
+          <p:nvPr/>
+        </p:nvSpPr>
+        <p:spPr>
+          <a:xfrm>
+            <a:off x="10531886" y="797299"/>
+            <a:ext cx="765110" cy="1330759"/>
+          </a:xfrm>
+          <a:prstGeom prst="rect">
+            <a:avLst/>
+          </a:prstGeom>
+          <a:noFill/>
+          <a:ln w="76200">
+            <a:solidFill>
+              <a:schemeClr val="accent1"/>
+            </a:solidFill>
+          </a:ln>
+        </p:spPr>
+        <p:style>
+          <a:lnRef idx="2">
+            <a:schemeClr val="accent1">
+              <a:shade val="50000"/>
+            </a:schemeClr>
+          </a:lnRef>
+          <a:fillRef idx="1">
+            <a:schemeClr val="accent1"/>
+          </a:fillRef>
+          <a:effectRef idx="0">
+            <a:schemeClr val="accent1"/>
+          </a:effectRef>
+          <a:fontRef idx="minor">
+            <a:schemeClr val="lt1"/>
+          </a:fontRef>
+        </p:style>
+        <p:txBody>
+          <a:bodyPr rtlCol="0" anchor="ctr"/>
+          <a:lstStyle/>
+          <a:p>
+            <a:pPr algn="ctr"/>
+            <a:r>
+              <a:rPr lang="en-US" dirty="0"/>
+              <a:t>\</a:t>
+            </a:r>
+            <a:endParaRPr lang="en-CA" dirty="0"/>
+          </a:p>
+        </p:txBody>
+      </p:sp>
+      <p:cxnSp>
+        <p:nvCxnSpPr>
+          <p:cNvPr id="9" name="Straight Arrow Connector 8">
+            <a:extLst>
+              <a:ext uri="{FF2B5EF4-FFF2-40B4-BE49-F238E27FC236}">
+                <a16:creationId xmlns:a16="http://schemas.microsoft.com/office/drawing/2014/main" id="{1E46152F-BEB8-44E7-AB39-DAE330C6034B}"/>
+              </a:ext>
+            </a:extLst>
+          </p:cNvPr>
+          <p:cNvCxnSpPr>
+            <a:cxnSpLocks/>
+          </p:cNvCxnSpPr>
+          <p:nvPr/>
+        </p:nvCxnSpPr>
+        <p:spPr>
+          <a:xfrm>
+            <a:off x="10907743" y="2186857"/>
+            <a:ext cx="0" cy="1578808"/>
+          </a:xfrm>
+          <a:prstGeom prst="straightConnector1">
+            <a:avLst/>
+          </a:prstGeom>
+          <a:ln w="76200">
+            <a:tailEnd type="triangle"/>
+          </a:ln>
+        </p:spPr>
+        <p:style>
+          <a:lnRef idx="3">
+            <a:schemeClr val="accent1"/>
+          </a:lnRef>
+          <a:fillRef idx="0">
+            <a:schemeClr val="accent1"/>
+          </a:fillRef>
+          <a:effectRef idx="2">
+            <a:schemeClr val="accent1"/>
+          </a:effectRef>
+          <a:fontRef idx="minor">
+            <a:schemeClr val="tx1"/>
+          </a:fontRef>
+        </p:style>
+      </p:cxnSp>
+      <p:sp>
+        <p:nvSpPr>
+          <p:cNvPr id="11" name="TextBox 10">
+            <a:extLst>
+              <a:ext uri="{FF2B5EF4-FFF2-40B4-BE49-F238E27FC236}">
+                <a16:creationId xmlns:a16="http://schemas.microsoft.com/office/drawing/2014/main" id="{0AD10C0C-A34D-4599-9D84-BC74F47D5E45}"/>
+              </a:ext>
+            </a:extLst>
+          </p:cNvPr>
+          <p:cNvSpPr txBox="1"/>
+          <p:nvPr/>
+        </p:nvSpPr>
+        <p:spPr>
+          <a:xfrm>
+            <a:off x="462912" y="2782669"/>
+            <a:ext cx="4963218" cy="646331"/>
+          </a:xfrm>
+          <a:prstGeom prst="rect">
+            <a:avLst/>
+          </a:prstGeom>
+          <a:noFill/>
+        </p:spPr>
+        <p:txBody>
+          <a:bodyPr wrap="none" rtlCol="0">
+            <a:spAutoFit/>
+          </a:bodyPr>
+          <a:lstStyle/>
+          <a:p>
+            <a:r>
+              <a:rPr lang="en-US" dirty="0"/>
+              <a:t>Does the average rating of books change </a:t>
+            </a:r>
+          </a:p>
+          <a:p>
+            <a:r>
+              <a:rPr lang="en-US" dirty="0"/>
+              <a:t>with the publication year? </a:t>
+            </a:r>
+          </a:p>
+        </p:txBody>
+      </p:sp>
+      <p:sp>
+        <p:nvSpPr>
+          <p:cNvPr id="12" name="TextBox 11">
+            <a:extLst>
+              <a:ext uri="{FF2B5EF4-FFF2-40B4-BE49-F238E27FC236}">
+                <a16:creationId xmlns:a16="http://schemas.microsoft.com/office/drawing/2014/main" id="{00C12336-EB2B-4EC6-B876-0800BBA5168C}"/>
+              </a:ext>
+            </a:extLst>
+          </p:cNvPr>
+          <p:cNvSpPr txBox="1"/>
+          <p:nvPr/>
+        </p:nvSpPr>
+        <p:spPr>
+          <a:xfrm>
+            <a:off x="462912" y="3575708"/>
+            <a:ext cx="5723042" cy="923330"/>
+          </a:xfrm>
+          <a:prstGeom prst="rect">
+            <a:avLst/>
+          </a:prstGeom>
+          <a:noFill/>
+        </p:spPr>
+        <p:txBody>
+          <a:bodyPr wrap="none" rtlCol="0">
+            <a:spAutoFit/>
+          </a:bodyPr>
+          <a:lstStyle/>
+          <a:p>
+            <a:r>
+              <a:rPr lang="en-US" dirty="0"/>
+              <a:t>It is definitely not constant throughout the years.</a:t>
+            </a:r>
+          </a:p>
+          <a:p>
+            <a:r>
+              <a:rPr lang="en-US" dirty="0"/>
+              <a:t>However, the average rating seems to be getting</a:t>
+            </a:r>
+          </a:p>
+          <a:p>
+            <a:r>
+              <a:rPr lang="en-US" dirty="0"/>
+              <a:t>more stable </a:t>
+            </a:r>
+            <a:endParaRPr lang="en-CA" dirty="0"/>
+          </a:p>
+        </p:txBody>
+      </p:sp>
+    </p:spTree>
+    <p:extLst>
+      <p:ext uri="{BB962C8B-B14F-4D97-AF65-F5344CB8AC3E}">
+        <p14:creationId xmlns:p14="http://schemas.microsoft.com/office/powerpoint/2010/main" val="1096130849"/>
       </p:ext>
     </p:extLst>
   </p:cSld>
@@ -6858,4 +7721,299 @@
     </a:ext>
   </a:extLst>
 </a:theme>
+</file>
+
+<file path=ppt/theme/theme2.xml><?xml version="1.0" encoding="utf-8"?>
+<a:theme xmlns:a="http://schemas.openxmlformats.org/drawingml/2006/main" name="Office Theme">
+  <a:themeElements>
+    <a:clrScheme name="Office">
+      <a:dk1>
+        <a:sysClr val="windowText" lastClr="000000"/>
+      </a:dk1>
+      <a:lt1>
+        <a:sysClr val="window" lastClr="FFFFFF"/>
+      </a:lt1>
+      <a:dk2>
+        <a:srgbClr val="44546A"/>
+      </a:dk2>
+      <a:lt2>
+        <a:srgbClr val="E7E6E6"/>
+      </a:lt2>
+      <a:accent1>
+        <a:srgbClr val="4472C4"/>
+      </a:accent1>
+      <a:accent2>
+        <a:srgbClr val="ED7D31"/>
+      </a:accent2>
+      <a:accent3>
+        <a:srgbClr val="A5A5A5"/>
+      </a:accent3>
+      <a:accent4>
+        <a:srgbClr val="FFC000"/>
+      </a:accent4>
+      <a:accent5>
+        <a:srgbClr val="5B9BD5"/>
+      </a:accent5>
+      <a:accent6>
+        <a:srgbClr val="70AD47"/>
+      </a:accent6>
+      <a:hlink>
+        <a:srgbClr val="0563C1"/>
+      </a:hlink>
+      <a:folHlink>
+        <a:srgbClr val="954F72"/>
+      </a:folHlink>
+    </a:clrScheme>
+    <a:fontScheme name="Office">
+      <a:majorFont>
+        <a:latin typeface="Calibri Light" panose="020F0302020204030204"/>
+        <a:ea typeface=""/>
+        <a:cs typeface=""/>
+        <a:font script="Jpan" typeface="游ゴシック Light"/>
+        <a:font script="Hang" typeface="맑은 고딕"/>
+        <a:font script="Hans" typeface="等线 Light"/>
+        <a:font script="Hant" typeface="新細明體"/>
+        <a:font script="Arab" typeface="Times New Roman"/>
+        <a:font script="Hebr" typeface="Times New Roman"/>
+        <a:font script="Thai" typeface="Angsana New"/>
+        <a:font script="Ethi" typeface="Nyala"/>
+        <a:font script="Beng" typeface="Vrinda"/>
+        <a:font script="Gujr" typeface="Shruti"/>
+        <a:font script="Khmr" typeface="MoolBoran"/>
+        <a:font script="Knda" typeface="Tunga"/>
+        <a:font script="Guru" typeface="Raavi"/>
+        <a:font script="Cans" typeface="Euphemia"/>
+        <a:font script="Cher" typeface="Plantagenet Cherokee"/>
+        <a:font script="Yiii" typeface="Microsoft Yi Baiti"/>
+        <a:font script="Tibt" typeface="Microsoft Himalaya"/>
+        <a:font script="Thaa" typeface="MV Boli"/>
+        <a:font script="Deva" typeface="Mangal"/>
+        <a:font script="Telu" typeface="Gautami"/>
+        <a:font script="Taml" typeface="Latha"/>
+        <a:font script="Syrc" typeface="Estrangelo Edessa"/>
+        <a:font script="Orya" typeface="Kalinga"/>
+        <a:font script="Mlym" typeface="Kartika"/>
+        <a:font script="Laoo" typeface="DokChampa"/>
+        <a:font script="Sinh" typeface="Iskoola Pota"/>
+        <a:font script="Mong" typeface="Mongolian Baiti"/>
+        <a:font script="Viet" typeface="Times New Roman"/>
+        <a:font script="Uigh" typeface="Microsoft Uighur"/>
+        <a:font script="Geor" typeface="Sylfaen"/>
+        <a:font script="Armn" typeface="Arial"/>
+        <a:font script="Bugi" typeface="Leelawadee UI"/>
+        <a:font script="Bopo" typeface="Microsoft JhengHei"/>
+        <a:font script="Java" typeface="Javanese Text"/>
+        <a:font script="Lisu" typeface="Segoe UI"/>
+        <a:font script="Mymr" typeface="Myanmar Text"/>
+        <a:font script="Nkoo" typeface="Ebrima"/>
+        <a:font script="Olck" typeface="Nirmala UI"/>
+        <a:font script="Osma" typeface="Ebrima"/>
+        <a:font script="Phag" typeface="Phagspa"/>
+        <a:font script="Syrn" typeface="Estrangelo Edessa"/>
+        <a:font script="Syrj" typeface="Estrangelo Edessa"/>
+        <a:font script="Syre" typeface="Estrangelo Edessa"/>
+        <a:font script="Sora" typeface="Nirmala UI"/>
+        <a:font script="Tale" typeface="Microsoft Tai Le"/>
+        <a:font script="Talu" typeface="Microsoft New Tai Lue"/>
+        <a:font script="Tfng" typeface="Ebrima"/>
+      </a:majorFont>
+      <a:minorFont>
+        <a:latin typeface="Calibri" panose="020F0502020204030204"/>
+        <a:ea typeface=""/>
+        <a:cs typeface=""/>
+        <a:font script="Jpan" typeface="游ゴシック"/>
+        <a:font script="Hang" typeface="맑은 고딕"/>
+        <a:font script="Hans" typeface="等线"/>
+        <a:font script="Hant" typeface="新細明體"/>
+        <a:font script="Arab" typeface="Arial"/>
+        <a:font script="Hebr" typeface="Arial"/>
+        <a:font script="Thai" typeface="Cordia New"/>
+        <a:font script="Ethi" typeface="Nyala"/>
+        <a:font script="Beng" typeface="Vrinda"/>
+        <a:font script="Gujr" typeface="Shruti"/>
+        <a:font script="Khmr" typeface="DaunPenh"/>
+        <a:font script="Knda" typeface="Tunga"/>
+        <a:font script="Guru" typeface="Raavi"/>
+        <a:font script="Cans" typeface="Euphemia"/>
+        <a:font script="Cher" typeface="Plantagenet Cherokee"/>
+        <a:font script="Yiii" typeface="Microsoft Yi Baiti"/>
+        <a:font script="Tibt" typeface="Microsoft Himalaya"/>
+        <a:font script="Thaa" typeface="MV Boli"/>
+        <a:font script="Deva" typeface="Mangal"/>
+        <a:font script="Telu" typeface="Gautami"/>
+        <a:font script="Taml" typeface="Latha"/>
+        <a:font script="Syrc" typeface="Estrangelo Edessa"/>
+        <a:font script="Orya" typeface="Kalinga"/>
+        <a:font script="Mlym" typeface="Kartika"/>
+        <a:font script="Laoo" typeface="DokChampa"/>
+        <a:font script="Sinh" typeface="Iskoola Pota"/>
+        <a:font script="Mong" typeface="Mongolian Baiti"/>
+        <a:font script="Viet" typeface="Arial"/>
+        <a:font script="Uigh" typeface="Microsoft Uighur"/>
+        <a:font script="Geor" typeface="Sylfaen"/>
+        <a:font script="Armn" typeface="Arial"/>
+        <a:font script="Bugi" typeface="Leelawadee UI"/>
+        <a:font script="Bopo" typeface="Microsoft JhengHei"/>
+        <a:font script="Java" typeface="Javanese Text"/>
+        <a:font script="Lisu" typeface="Segoe UI"/>
+        <a:font script="Mymr" typeface="Myanmar Text"/>
+        <a:font script="Nkoo" typeface="Ebrima"/>
+        <a:font script="Olck" typeface="Nirmala UI"/>
+        <a:font script="Osma" typeface="Ebrima"/>
+        <a:font script="Phag" typeface="Phagspa"/>
+        <a:font script="Syrn" typeface="Estrangelo Edessa"/>
+        <a:font script="Syrj" typeface="Estrangelo Edessa"/>
+        <a:font script="Syre" typeface="Estrangelo Edessa"/>
+        <a:font script="Sora" typeface="Nirmala UI"/>
+        <a:font script="Tale" typeface="Microsoft Tai Le"/>
+        <a:font script="Talu" typeface="Microsoft New Tai Lue"/>
+        <a:font script="Tfng" typeface="Ebrima"/>
+      </a:minorFont>
+    </a:fontScheme>
+    <a:fmtScheme name="Office">
+      <a:fillStyleLst>
+        <a:solidFill>
+          <a:schemeClr val="phClr"/>
+        </a:solidFill>
+        <a:gradFill rotWithShape="1">
+          <a:gsLst>
+            <a:gs pos="0">
+              <a:schemeClr val="phClr">
+                <a:lumMod val="110000"/>
+                <a:satMod val="105000"/>
+                <a:tint val="67000"/>
+              </a:schemeClr>
+            </a:gs>
+            <a:gs pos="50000">
+              <a:schemeClr val="phClr">
+                <a:lumMod val="105000"/>
+                <a:satMod val="103000"/>
+                <a:tint val="73000"/>
+              </a:schemeClr>
+            </a:gs>
+            <a:gs pos="100000">
+              <a:schemeClr val="phClr">
+                <a:lumMod val="105000"/>
+                <a:satMod val="109000"/>
+                <a:tint val="81000"/>
+              </a:schemeClr>
+            </a:gs>
+          </a:gsLst>
+          <a:lin ang="5400000" scaled="0"/>
+        </a:gradFill>
+        <a:gradFill rotWithShape="1">
+          <a:gsLst>
+            <a:gs pos="0">
+              <a:schemeClr val="phClr">
+                <a:satMod val="103000"/>
+                <a:lumMod val="102000"/>
+                <a:tint val="94000"/>
+              </a:schemeClr>
+            </a:gs>
+            <a:gs pos="50000">
+              <a:schemeClr val="phClr">
+                <a:satMod val="110000"/>
+                <a:lumMod val="100000"/>
+                <a:shade val="100000"/>
+              </a:schemeClr>
+            </a:gs>
+            <a:gs pos="100000">
+              <a:schemeClr val="phClr">
+                <a:lumMod val="99000"/>
+                <a:satMod val="120000"/>
+                <a:shade val="78000"/>
+              </a:schemeClr>
+            </a:gs>
+          </a:gsLst>
+          <a:lin ang="5400000" scaled="0"/>
+        </a:gradFill>
+      </a:fillStyleLst>
+      <a:lnStyleLst>
+        <a:ln w="6350" cap="flat" cmpd="sng" algn="ctr">
+          <a:solidFill>
+            <a:schemeClr val="phClr"/>
+          </a:solidFill>
+          <a:prstDash val="solid"/>
+          <a:miter lim="800000"/>
+        </a:ln>
+        <a:ln w="12700" cap="flat" cmpd="sng" algn="ctr">
+          <a:solidFill>
+            <a:schemeClr val="phClr"/>
+          </a:solidFill>
+          <a:prstDash val="solid"/>
+          <a:miter lim="800000"/>
+        </a:ln>
+        <a:ln w="19050" cap="flat" cmpd="sng" algn="ctr">
+          <a:solidFill>
+            <a:schemeClr val="phClr"/>
+          </a:solidFill>
+          <a:prstDash val="solid"/>
+          <a:miter lim="800000"/>
+        </a:ln>
+      </a:lnStyleLst>
+      <a:effectStyleLst>
+        <a:effectStyle>
+          <a:effectLst/>
+        </a:effectStyle>
+        <a:effectStyle>
+          <a:effectLst/>
+        </a:effectStyle>
+        <a:effectStyle>
+          <a:effectLst>
+            <a:outerShdw blurRad="57150" dist="19050" dir="5400000" algn="ctr" rotWithShape="0">
+              <a:srgbClr val="000000">
+                <a:alpha val="63000"/>
+              </a:srgbClr>
+            </a:outerShdw>
+          </a:effectLst>
+        </a:effectStyle>
+      </a:effectStyleLst>
+      <a:bgFillStyleLst>
+        <a:solidFill>
+          <a:schemeClr val="phClr"/>
+        </a:solidFill>
+        <a:solidFill>
+          <a:schemeClr val="phClr">
+            <a:tint val="95000"/>
+            <a:satMod val="170000"/>
+          </a:schemeClr>
+        </a:solidFill>
+        <a:gradFill rotWithShape="1">
+          <a:gsLst>
+            <a:gs pos="0">
+              <a:schemeClr val="phClr">
+                <a:tint val="93000"/>
+                <a:satMod val="150000"/>
+                <a:shade val="98000"/>
+                <a:lumMod val="102000"/>
+              </a:schemeClr>
+            </a:gs>
+            <a:gs pos="50000">
+              <a:schemeClr val="phClr">
+                <a:tint val="98000"/>
+                <a:satMod val="130000"/>
+                <a:shade val="90000"/>
+                <a:lumMod val="103000"/>
+              </a:schemeClr>
+            </a:gs>
+            <a:gs pos="100000">
+              <a:schemeClr val="phClr">
+                <a:shade val="63000"/>
+                <a:satMod val="120000"/>
+              </a:schemeClr>
+            </a:gs>
+          </a:gsLst>
+          <a:lin ang="5400000" scaled="0"/>
+        </a:gradFill>
+      </a:bgFillStyleLst>
+    </a:fmtScheme>
+  </a:themeElements>
+  <a:objectDefaults/>
+  <a:extraClrSchemeLst/>
+  <a:extLst>
+    <a:ext uri="{05A4C25C-085E-4340-85A3-A5531E510DB2}">
+      <thm15:themeFamily xmlns:thm15="http://schemas.microsoft.com/office/thememl/2012/main" name="Office Theme" id="{62F939B6-93AF-4DB8-9C6B-D6C7DFDC589F}" vid="{4A3C46E8-61CC-4603-A589-7422A47A8E4A}"/>
+    </a:ext>
+  </a:extLst>
+</a:theme>
 </file>